--- a/Проект онлайн магазин.pptx
+++ b/Проект онлайн магазин.pptx
@@ -11,7 +11,6 @@
     <p:sldId id="261" r:id="rId5"/>
     <p:sldId id="262" r:id="rId6"/>
     <p:sldId id="259" r:id="rId7"/>
-    <p:sldId id="260" r:id="rId8"/>
   </p:sldIdLst>
   <p:sldSz cx="12192000" cy="6858000"/>
   <p:notesSz cx="6858000" cy="9144000"/>
@@ -131,7 +130,7 @@
 </file>
 
 <file path=ppt/slideLayouts/slideLayout1.xml><?xml version="1.0" encoding="utf-8"?>
-<p:sldLayout xmlns:a="http://schemas.openxmlformats.org/drawingml/2006/main" xmlns:r="http://schemas.openxmlformats.org/officeDocument/2006/relationships" xmlns:p="http://schemas.openxmlformats.org/presentationml/2006/main" showMasterSp="0" type="title" preserve="1">
+<p:sldLayout xmlns:a="http://schemas.openxmlformats.org/drawingml/2006/main" xmlns:r="http://schemas.openxmlformats.org/officeDocument/2006/relationships" xmlns:p="http://schemas.openxmlformats.org/presentationml/2006/main" type="title" preserve="1">
   <p:cSld name="Титульный слайд">
     <p:spTree>
       <p:nvGrpSpPr>
@@ -855,7 +854,7 @@
             <a:fld id="{B61BEF0D-F0BB-DE4B-95CE-6DB70DBA9567}" type="datetimeFigureOut">
               <a:rPr lang="en-US" smtClean="0"/>
               <a:pPr/>
-              <a:t>4/22/2024</a:t>
+              <a:t>4/24/2024</a:t>
             </a:fld>
             <a:endParaRPr lang="en-US" dirty="0"/>
           </a:p>
@@ -1108,7 +1107,7 @@
             <a:fld id="{B61BEF0D-F0BB-DE4B-95CE-6DB70DBA9567}" type="datetimeFigureOut">
               <a:rPr lang="en-US" smtClean="0"/>
               <a:pPr/>
-              <a:t>4/22/2024</a:t>
+              <a:t>4/24/2024</a:t>
             </a:fld>
             <a:endParaRPr lang="en-US" dirty="0"/>
           </a:p>
@@ -1424,7 +1423,7 @@
             <a:fld id="{B61BEF0D-F0BB-DE4B-95CE-6DB70DBA9567}" type="datetimeFigureOut">
               <a:rPr lang="en-US" smtClean="0"/>
               <a:pPr/>
-              <a:t>4/22/2024</a:t>
+              <a:t>4/24/2024</a:t>
             </a:fld>
             <a:endParaRPr lang="en-US" dirty="0"/>
           </a:p>
@@ -1753,7 +1752,7 @@
             <a:fld id="{B61BEF0D-F0BB-DE4B-95CE-6DB70DBA9567}" type="datetimeFigureOut">
               <a:rPr lang="en-US" smtClean="0"/>
               <a:pPr/>
-              <a:t>4/22/2024</a:t>
+              <a:t>4/24/2024</a:t>
             </a:fld>
             <a:endParaRPr lang="en-US" dirty="0"/>
           </a:p>
@@ -2069,7 +2068,7 @@
             <a:fld id="{B61BEF0D-F0BB-DE4B-95CE-6DB70DBA9567}" type="datetimeFigureOut">
               <a:rPr lang="en-US" smtClean="0"/>
               <a:pPr/>
-              <a:t>4/22/2024</a:t>
+              <a:t>4/24/2024</a:t>
             </a:fld>
             <a:endParaRPr lang="en-US" dirty="0"/>
           </a:p>
@@ -2458,7 +2457,7 @@
             <a:fld id="{B61BEF0D-F0BB-DE4B-95CE-6DB70DBA9567}" type="datetimeFigureOut">
               <a:rPr lang="en-US" smtClean="0"/>
               <a:pPr/>
-              <a:t>4/22/2024</a:t>
+              <a:t>4/24/2024</a:t>
             </a:fld>
             <a:endParaRPr lang="en-US" dirty="0"/>
           </a:p>
@@ -2630,7 +2629,7 @@
             <a:fld id="{B61BEF0D-F0BB-DE4B-95CE-6DB70DBA9567}" type="datetimeFigureOut">
               <a:rPr lang="en-US" smtClean="0"/>
               <a:pPr/>
-              <a:t>4/22/2024</a:t>
+              <a:t>4/24/2024</a:t>
             </a:fld>
             <a:endParaRPr lang="en-US" dirty="0"/>
           </a:p>
@@ -2812,7 +2811,7 @@
             <a:fld id="{B61BEF0D-F0BB-DE4B-95CE-6DB70DBA9567}" type="datetimeFigureOut">
               <a:rPr lang="en-US" smtClean="0"/>
               <a:pPr/>
-              <a:t>4/22/2024</a:t>
+              <a:t>4/24/2024</a:t>
             </a:fld>
             <a:endParaRPr lang="en-US" dirty="0"/>
           </a:p>
@@ -2990,7 +2989,7 @@
             <a:fld id="{B61BEF0D-F0BB-DE4B-95CE-6DB70DBA9567}" type="datetimeFigureOut">
               <a:rPr lang="en-US" smtClean="0"/>
               <a:pPr/>
-              <a:t>4/22/2024</a:t>
+              <a:t>4/24/2024</a:t>
             </a:fld>
             <a:endParaRPr lang="en-US" dirty="0"/>
           </a:p>
@@ -3239,7 +3238,7 @@
             <a:fld id="{B61BEF0D-F0BB-DE4B-95CE-6DB70DBA9567}" type="datetimeFigureOut">
               <a:rPr lang="en-US" smtClean="0"/>
               <a:pPr/>
-              <a:t>4/22/2024</a:t>
+              <a:t>4/24/2024</a:t>
             </a:fld>
             <a:endParaRPr lang="en-US" dirty="0"/>
           </a:p>
@@ -3473,7 +3472,7 @@
             <a:fld id="{B61BEF0D-F0BB-DE4B-95CE-6DB70DBA9567}" type="datetimeFigureOut">
               <a:rPr lang="en-US" smtClean="0"/>
               <a:pPr/>
-              <a:t>4/22/2024</a:t>
+              <a:t>4/24/2024</a:t>
             </a:fld>
             <a:endParaRPr lang="en-US" dirty="0"/>
           </a:p>
@@ -3849,7 +3848,7 @@
             <a:fld id="{B61BEF0D-F0BB-DE4B-95CE-6DB70DBA9567}" type="datetimeFigureOut">
               <a:rPr lang="en-US" smtClean="0"/>
               <a:pPr/>
-              <a:t>4/22/2024</a:t>
+              <a:t>4/24/2024</a:t>
             </a:fld>
             <a:endParaRPr lang="en-US" dirty="0"/>
           </a:p>
@@ -3974,7 +3973,7 @@
             <a:fld id="{B61BEF0D-F0BB-DE4B-95CE-6DB70DBA9567}" type="datetimeFigureOut">
               <a:rPr lang="en-US" smtClean="0"/>
               <a:pPr/>
-              <a:t>4/22/2024</a:t>
+              <a:t>4/24/2024</a:t>
             </a:fld>
             <a:endParaRPr lang="en-US" dirty="0"/>
           </a:p>
@@ -4071,7 +4070,7 @@
             <a:fld id="{B61BEF0D-F0BB-DE4B-95CE-6DB70DBA9567}" type="datetimeFigureOut">
               <a:rPr lang="en-US" smtClean="0"/>
               <a:pPr/>
-              <a:t>4/22/2024</a:t>
+              <a:t>4/24/2024</a:t>
             </a:fld>
             <a:endParaRPr lang="en-US" dirty="0"/>
           </a:p>
@@ -4328,7 +4327,7 @@
             <a:fld id="{B61BEF0D-F0BB-DE4B-95CE-6DB70DBA9567}" type="datetimeFigureOut">
               <a:rPr lang="en-US" smtClean="0"/>
               <a:pPr/>
-              <a:t>4/22/2024</a:t>
+              <a:t>4/24/2024</a:t>
             </a:fld>
             <a:endParaRPr lang="en-US" dirty="0"/>
           </a:p>
@@ -4593,7 +4592,7 @@
             <a:fld id="{B61BEF0D-F0BB-DE4B-95CE-6DB70DBA9567}" type="datetimeFigureOut">
               <a:rPr lang="en-US" smtClean="0"/>
               <a:pPr/>
-              <a:t>4/22/2024</a:t>
+              <a:t>4/24/2024</a:t>
             </a:fld>
             <a:endParaRPr lang="en-US" dirty="0"/>
           </a:p>
@@ -4659,9 +4658,17 @@
 <p:sldMaster xmlns:a="http://schemas.openxmlformats.org/drawingml/2006/main" xmlns:r="http://schemas.openxmlformats.org/officeDocument/2006/relationships" xmlns:p="http://schemas.openxmlformats.org/presentationml/2006/main">
   <p:cSld>
     <p:bg>
-      <p:bgRef idx="1001">
-        <a:schemeClr val="bg2"/>
-      </p:bgRef>
+      <p:bgPr>
+        <a:pattFill prst="pct5">
+          <a:fgClr>
+            <a:schemeClr val="bg2"/>
+          </a:fgClr>
+          <a:bgClr>
+            <a:schemeClr val="bg1"/>
+          </a:bgClr>
+        </a:pattFill>
+        <a:effectLst/>
+      </p:bgPr>
     </p:bg>
     <p:spTree>
       <p:nvGrpSpPr>
@@ -5340,7 +5347,7 @@
             <a:fld id="{B61BEF0D-F0BB-DE4B-95CE-6DB70DBA9567}" type="datetimeFigureOut">
               <a:rPr lang="en-US" smtClean="0"/>
               <a:pPr/>
-              <a:t>4/22/2024</a:t>
+              <a:t>4/24/2024</a:t>
             </a:fld>
             <a:endParaRPr lang="en-US" dirty="0"/>
           </a:p>
@@ -6716,114 +6723,6 @@
 </p:sld>
 </file>
 
-<file path=ppt/slides/slide7.xml><?xml version="1.0" encoding="utf-8"?>
-<p:sld xmlns:a="http://schemas.openxmlformats.org/drawingml/2006/main" xmlns:r="http://schemas.openxmlformats.org/officeDocument/2006/relationships" xmlns:p="http://schemas.openxmlformats.org/presentationml/2006/main">
-  <p:cSld>
-    <p:spTree>
-      <p:nvGrpSpPr>
-        <p:cNvPr id="1" name=""/>
-        <p:cNvGrpSpPr/>
-        <p:nvPr/>
-      </p:nvGrpSpPr>
-      <p:grpSpPr>
-        <a:xfrm>
-          <a:off x="0" y="0"/>
-          <a:ext cx="0" cy="0"/>
-          <a:chOff x="0" y="0"/>
-          <a:chExt cx="0" cy="0"/>
-        </a:xfrm>
-      </p:grpSpPr>
-      <p:sp>
-        <p:nvSpPr>
-          <p:cNvPr id="2" name="Заголовок 1">
-            <a:extLst>
-              <a:ext uri="{FF2B5EF4-FFF2-40B4-BE49-F238E27FC236}">
-                <a16:creationId xmlns:a16="http://schemas.microsoft.com/office/drawing/2014/main" id="{5D485C81-2238-48AC-8123-D0AEC6886B02}"/>
-              </a:ext>
-            </a:extLst>
-          </p:cNvPr>
-          <p:cNvSpPr>
-            <a:spLocks noGrp="1"/>
-          </p:cNvSpPr>
-          <p:nvPr>
-            <p:ph type="title"/>
-          </p:nvPr>
-        </p:nvSpPr>
-        <p:spPr>
-          <a:xfrm>
-            <a:off x="810047" y="0"/>
-            <a:ext cx="8534400" cy="1507067"/>
-          </a:xfrm>
-        </p:spPr>
-        <p:txBody>
-          <a:bodyPr/>
-          <a:lstStyle/>
-          <a:p>
-            <a:r>
-              <a:rPr lang="ru-RU" dirty="0"/>
-              <a:t>Заключение</a:t>
-            </a:r>
-          </a:p>
-        </p:txBody>
-      </p:sp>
-      <p:sp>
-        <p:nvSpPr>
-          <p:cNvPr id="3" name="Объект 2">
-            <a:extLst>
-              <a:ext uri="{FF2B5EF4-FFF2-40B4-BE49-F238E27FC236}">
-                <a16:creationId xmlns:a16="http://schemas.microsoft.com/office/drawing/2014/main" id="{04AA439F-EB1A-4DB7-BDD9-22F93EF81E8E}"/>
-              </a:ext>
-            </a:extLst>
-          </p:cNvPr>
-          <p:cNvSpPr>
-            <a:spLocks noGrp="1"/>
-          </p:cNvSpPr>
-          <p:nvPr>
-            <p:ph idx="1"/>
-          </p:nvPr>
-        </p:nvSpPr>
-        <p:spPr>
-          <a:xfrm>
-            <a:off x="315097" y="2237764"/>
-            <a:ext cx="8534400" cy="3615267"/>
-          </a:xfrm>
-        </p:spPr>
-        <p:txBody>
-          <a:bodyPr/>
-          <a:lstStyle/>
-          <a:p>
-            <a:r>
-              <a:rPr lang="ru-RU" dirty="0"/>
-              <a:t>В заключении можно сказать, что проект работает исправно. Также в нём реализованы все заявленные функции.</a:t>
-            </a:r>
-          </a:p>
-          <a:p>
-            <a:r>
-              <a:rPr lang="ru-RU" dirty="0"/>
-              <a:t>В будущих обновлениях я планирую добавить звуки(которые у я уже пытался добавить).</a:t>
-            </a:r>
-          </a:p>
-          <a:p>
-            <a:r>
-              <a:rPr lang="ru-RU" dirty="0"/>
-              <a:t>Также можно добавить больше вариация цветов фигур, и даже немного отойти от оригинала и добавить свои авторские фигуры</a:t>
-            </a:r>
-          </a:p>
-        </p:txBody>
-      </p:sp>
-    </p:spTree>
-    <p:extLst>
-      <p:ext uri="{BB962C8B-B14F-4D97-AF65-F5344CB8AC3E}">
-        <p14:creationId xmlns:p14="http://schemas.microsoft.com/office/powerpoint/2010/main" val="3673355613"/>
-      </p:ext>
-    </p:extLst>
-  </p:cSld>
-  <p:clrMapOvr>
-    <a:masterClrMapping/>
-  </p:clrMapOvr>
-</p:sld>
-</file>
-
 <file path=ppt/theme/theme1.xml><?xml version="1.0" encoding="utf-8"?>
 <a:theme xmlns:a="http://schemas.openxmlformats.org/drawingml/2006/main" name="Аспект">
   <a:themeElements>
